--- a/test/pptx/background-image/templated.pptx
+++ b/test/pptx/background-image/templated.pptx
@@ -514,47 +514,7 @@
             </a:pPr>
             <a:r>
               <a:rPr/>
-              <a:t>Blank</a:t>
-            </a:r>
-            <a:r>
-              <a:rPr/>
-              <a:t> </a:t>
-            </a:r>
-            <a:r>
-              <a:rPr/>
-              <a:t>slides</a:t>
-            </a:r>
-            <a:r>
-              <a:rPr/>
-              <a:t> </a:t>
-            </a:r>
-            <a:r>
-              <a:rPr/>
-              <a:t>can</a:t>
-            </a:r>
-            <a:r>
-              <a:rPr/>
-              <a:t> </a:t>
-            </a:r>
-            <a:r>
-              <a:rPr/>
-              <a:t>have</a:t>
-            </a:r>
-            <a:r>
-              <a:rPr/>
-              <a:t> </a:t>
-            </a:r>
-            <a:r>
-              <a:rPr/>
-              <a:t>background</a:t>
-            </a:r>
-            <a:r>
-              <a:rPr/>
-              <a:t> </a:t>
-            </a:r>
-            <a:r>
-              <a:rPr/>
-              <a:t>images.</a:t>
+              <a:t>Blank slides can have background images.</a:t>
             </a:r>
           </a:p>
         </p:txBody>
@@ -6243,39 +6203,7 @@
             </a:pPr>
             <a:r>
               <a:rPr/>
-              <a:t>Section</a:t>
-            </a:r>
-            <a:r>
-              <a:rPr/>
-              <a:t> </a:t>
-            </a:r>
-            <a:r>
-              <a:rPr/>
-              <a:t>Header</a:t>
-            </a:r>
-            <a:r>
-              <a:rPr/>
-              <a:t> </a:t>
-            </a:r>
-            <a:r>
-              <a:rPr/>
-              <a:t>(with</a:t>
-            </a:r>
-            <a:r>
-              <a:rPr/>
-              <a:t> </a:t>
-            </a:r>
-            <a:r>
-              <a:rPr/>
-              <a:t>background</a:t>
-            </a:r>
-            <a:r>
-              <a:rPr/>
-              <a:t> </a:t>
-            </a:r>
-            <a:r>
-              <a:rPr/>
-              <a:t>image)</a:t>
+              <a:t>Section Header (with background image)</a:t>
             </a:r>
           </a:p>
         </p:txBody>
@@ -6336,15 +6264,7 @@
             </a:pPr>
             <a:r>
               <a:rPr/>
-              <a:t>Slide</a:t>
-            </a:r>
-            <a:r>
-              <a:rPr/>
-              <a:t> </a:t>
-            </a:r>
-            <a:r>
-              <a:rPr/>
-              <a:t>1</a:t>
+              <a:t>Slide 1</a:t>
             </a:r>
           </a:p>
         </p:txBody>
@@ -6430,15 +6350,7 @@
             </a:pPr>
             <a:r>
               <a:rPr/>
-              <a:t>Slide</a:t>
-            </a:r>
-            <a:r>
-              <a:rPr/>
-              <a:t> </a:t>
-            </a:r>
-            <a:r>
-              <a:rPr/>
-              <a:t>2</a:t>
+              <a:t>Slide 2</a:t>
             </a:r>
           </a:p>
         </p:txBody>
@@ -6524,15 +6436,7 @@
             </a:pPr>
             <a:r>
               <a:rPr/>
-              <a:t>Slide</a:t>
-            </a:r>
-            <a:r>
-              <a:rPr/>
-              <a:t> </a:t>
-            </a:r>
-            <a:r>
-              <a:rPr/>
-              <a:t>3</a:t>
+              <a:t>Slide 3</a:t>
             </a:r>
           </a:p>
         </p:txBody>
@@ -6648,15 +6552,7 @@
             </a:pPr>
             <a:r>
               <a:rPr/>
-              <a:t>Slide</a:t>
-            </a:r>
-            <a:r>
-              <a:rPr/>
-              <a:t> </a:t>
-            </a:r>
-            <a:r>
-              <a:rPr/>
-              <a:t>4</a:t>
+              <a:t>Slide 4</a:t>
             </a:r>
           </a:p>
         </p:txBody>
@@ -6741,15 +6637,7 @@
             </a:pPr>
             <a:r>
               <a:rPr/>
-              <a:t>An</a:t>
-            </a:r>
-            <a:r>
-              <a:rPr/>
-              <a:t> </a:t>
-            </a:r>
-            <a:r>
-              <a:rPr/>
-              <a:t>image</a:t>
+              <a:t>An image</a:t>
             </a:r>
           </a:p>
         </p:txBody>

--- a/test/pptx/background-image/templated.pptx
+++ b/test/pptx/background-image/templated.pptx
@@ -514,43 +514,23 @@
             </a:pPr>
             <a:r>
               <a:rPr/>
-              <a:t>Blank</a:t>
+              <a:t>Blank </a:t>
             </a:r>
             <a:r>
               <a:rPr/>
-              <a:t> </a:t>
+              <a:t>slides </a:t>
             </a:r>
             <a:r>
               <a:rPr/>
-              <a:t>slides</a:t>
+              <a:t>can </a:t>
             </a:r>
             <a:r>
               <a:rPr/>
-              <a:t> </a:t>
+              <a:t>have </a:t>
             </a:r>
             <a:r>
               <a:rPr/>
-              <a:t>can</a:t>
-            </a:r>
-            <a:r>
-              <a:rPr/>
-              <a:t> </a:t>
-            </a:r>
-            <a:r>
-              <a:rPr/>
-              <a:t>have</a:t>
-            </a:r>
-            <a:r>
-              <a:rPr/>
-              <a:t> </a:t>
-            </a:r>
-            <a:r>
-              <a:rPr/>
-              <a:t>background</a:t>
-            </a:r>
-            <a:r>
-              <a:rPr/>
-              <a:t> </a:t>
+              <a:t>background </a:t>
             </a:r>
             <a:r>
               <a:rPr/>
@@ -6243,35 +6223,19 @@
             </a:pPr>
             <a:r>
               <a:rPr/>
-              <a:t>Section</a:t>
+              <a:t>Section </a:t>
             </a:r>
             <a:r>
               <a:rPr/>
-              <a:t> </a:t>
+              <a:t>Header </a:t>
             </a:r>
             <a:r>
               <a:rPr/>
-              <a:t>Header</a:t>
+              <a:t>(with </a:t>
             </a:r>
             <a:r>
               <a:rPr/>
-              <a:t> </a:t>
-            </a:r>
-            <a:r>
-              <a:rPr/>
-              <a:t>(with</a:t>
-            </a:r>
-            <a:r>
-              <a:rPr/>
-              <a:t> </a:t>
-            </a:r>
-            <a:r>
-              <a:rPr/>
-              <a:t>background</a:t>
-            </a:r>
-            <a:r>
-              <a:rPr/>
-              <a:t> </a:t>
+              <a:t>background </a:t>
             </a:r>
             <a:r>
               <a:rPr/>
@@ -6336,11 +6300,7 @@
             </a:pPr>
             <a:r>
               <a:rPr/>
-              <a:t>Slide</a:t>
-            </a:r>
-            <a:r>
-              <a:rPr/>
-              <a:t> </a:t>
+              <a:t>Slide </a:t>
             </a:r>
             <a:r>
               <a:rPr/>
@@ -6430,11 +6390,7 @@
             </a:pPr>
             <a:r>
               <a:rPr/>
-              <a:t>Slide</a:t>
-            </a:r>
-            <a:r>
-              <a:rPr/>
-              <a:t> </a:t>
+              <a:t>Slide </a:t>
             </a:r>
             <a:r>
               <a:rPr/>
@@ -6524,11 +6480,7 @@
             </a:pPr>
             <a:r>
               <a:rPr/>
-              <a:t>Slide</a:t>
-            </a:r>
-            <a:r>
-              <a:rPr/>
-              <a:t> </a:t>
+              <a:t>Slide </a:t>
             </a:r>
             <a:r>
               <a:rPr/>
@@ -6648,11 +6600,7 @@
             </a:pPr>
             <a:r>
               <a:rPr/>
-              <a:t>Slide</a:t>
-            </a:r>
-            <a:r>
-              <a:rPr/>
-              <a:t> </a:t>
+              <a:t>Slide </a:t>
             </a:r>
             <a:r>
               <a:rPr/>
@@ -6741,11 +6689,7 @@
             </a:pPr>
             <a:r>
               <a:rPr/>
-              <a:t>An</a:t>
-            </a:r>
-            <a:r>
-              <a:rPr/>
-              <a:t> </a:t>
+              <a:t>An </a:t>
             </a:r>
             <a:r>
               <a:rPr/>

--- a/test/pptx/background-image/templated.pptx
+++ b/test/pptx/background-image/templated.pptx
@@ -514,23 +514,43 @@
             </a:pPr>
             <a:r>
               <a:rPr/>
-              <a:t>Blank </a:t>
+              <a:t>Blank</a:t>
             </a:r>
             <a:r>
               <a:rPr/>
-              <a:t>slides </a:t>
+              <a:t> </a:t>
             </a:r>
             <a:r>
               <a:rPr/>
-              <a:t>can </a:t>
+              <a:t>slides</a:t>
             </a:r>
             <a:r>
               <a:rPr/>
-              <a:t>have </a:t>
+              <a:t> </a:t>
             </a:r>
             <a:r>
               <a:rPr/>
-              <a:t>background </a:t>
+              <a:t>can</a:t>
+            </a:r>
+            <a:r>
+              <a:rPr/>
+              <a:t> </a:t>
+            </a:r>
+            <a:r>
+              <a:rPr/>
+              <a:t>have</a:t>
+            </a:r>
+            <a:r>
+              <a:rPr/>
+              <a:t> </a:t>
+            </a:r>
+            <a:r>
+              <a:rPr/>
+              <a:t>background</a:t>
+            </a:r>
+            <a:r>
+              <a:rPr/>
+              <a:t> </a:t>
             </a:r>
             <a:r>
               <a:rPr/>
@@ -6223,19 +6243,35 @@
             </a:pPr>
             <a:r>
               <a:rPr/>
-              <a:t>Section </a:t>
+              <a:t>Section</a:t>
             </a:r>
             <a:r>
               <a:rPr/>
-              <a:t>Header </a:t>
+              <a:t> </a:t>
             </a:r>
             <a:r>
               <a:rPr/>
-              <a:t>(with </a:t>
+              <a:t>Header</a:t>
             </a:r>
             <a:r>
               <a:rPr/>
-              <a:t>background </a:t>
+              <a:t> </a:t>
+            </a:r>
+            <a:r>
+              <a:rPr/>
+              <a:t>(with</a:t>
+            </a:r>
+            <a:r>
+              <a:rPr/>
+              <a:t> </a:t>
+            </a:r>
+            <a:r>
+              <a:rPr/>
+              <a:t>background</a:t>
+            </a:r>
+            <a:r>
+              <a:rPr/>
+              <a:t> </a:t>
             </a:r>
             <a:r>
               <a:rPr/>
@@ -6300,7 +6336,11 @@
             </a:pPr>
             <a:r>
               <a:rPr/>
-              <a:t>Slide </a:t>
+              <a:t>Slide</a:t>
+            </a:r>
+            <a:r>
+              <a:rPr/>
+              <a:t> </a:t>
             </a:r>
             <a:r>
               <a:rPr/>
@@ -6390,7 +6430,11 @@
             </a:pPr>
             <a:r>
               <a:rPr/>
-              <a:t>Slide </a:t>
+              <a:t>Slide</a:t>
+            </a:r>
+            <a:r>
+              <a:rPr/>
+              <a:t> </a:t>
             </a:r>
             <a:r>
               <a:rPr/>
@@ -6480,7 +6524,11 @@
             </a:pPr>
             <a:r>
               <a:rPr/>
-              <a:t>Slide </a:t>
+              <a:t>Slide</a:t>
+            </a:r>
+            <a:r>
+              <a:rPr/>
+              <a:t> </a:t>
             </a:r>
             <a:r>
               <a:rPr/>
@@ -6600,7 +6648,11 @@
             </a:pPr>
             <a:r>
               <a:rPr/>
-              <a:t>Slide </a:t>
+              <a:t>Slide</a:t>
+            </a:r>
+            <a:r>
+              <a:rPr/>
+              <a:t> </a:t>
             </a:r>
             <a:r>
               <a:rPr/>
@@ -6689,7 +6741,11 @@
             </a:pPr>
             <a:r>
               <a:rPr/>
-              <a:t>An </a:t>
+              <a:t>An</a:t>
+            </a:r>
+            <a:r>
+              <a:rPr/>
+              <a:t> </a:t>
             </a:r>
             <a:r>
               <a:rPr/>

--- a/test/pptx/background-image/templated.pptx
+++ b/test/pptx/background-image/templated.pptx
@@ -197,7 +197,7 @@
           <a:p>
             <a:fld id="{0F9C1CCF-B725-44A7-AA57-5E433BD85C9F}" type="datetimeFigureOut">
               <a:rPr lang="en-US" smtClean="0"/>
-              <a:t>4/5/2019</a:t>
+              <a:t>1/2/22</a:t>
             </a:fld>
             <a:endParaRPr lang="en-US"/>
           </a:p>
@@ -215,8 +215,8 @@
         </p:nvSpPr>
         <p:spPr>
           <a:xfrm>
-            <a:off x="1371600" y="1143000"/>
-            <a:ext cx="4114800" cy="3086100"/>
+            <a:off x="685800" y="1143000"/>
+            <a:ext cx="5486400" cy="3086100"/>
           </a:xfrm>
           <a:prstGeom prst="rect">
             <a:avLst/>
@@ -261,38 +261,37 @@
           <a:p>
             <a:pPr lvl="0"/>
             <a:r>
-              <a:rPr lang="en-US" smtClean="0"/>
+              <a:rPr lang="en-US"/>
               <a:t>Click to edit Master text styles</a:t>
             </a:r>
           </a:p>
           <a:p>
             <a:pPr lvl="1"/>
             <a:r>
-              <a:rPr lang="en-US" smtClean="0"/>
+              <a:rPr lang="en-US"/>
               <a:t>Second level</a:t>
             </a:r>
           </a:p>
           <a:p>
             <a:pPr lvl="2"/>
             <a:r>
-              <a:rPr lang="en-US" smtClean="0"/>
+              <a:rPr lang="en-US"/>
               <a:t>Third level</a:t>
             </a:r>
           </a:p>
           <a:p>
             <a:pPr lvl="3"/>
             <a:r>
-              <a:rPr lang="en-US" smtClean="0"/>
+              <a:rPr lang="en-US"/>
               <a:t>Fourth level</a:t>
             </a:r>
           </a:p>
           <a:p>
             <a:pPr lvl="4"/>
             <a:r>
-              <a:rPr lang="en-US" smtClean="0"/>
+              <a:rPr lang="en-US"/>
               <a:t>Fifth level</a:t>
             </a:r>
-            <a:endParaRPr lang="en-US"/>
           </a:p>
         </p:txBody>
       </p:sp>
@@ -509,7 +508,7 @@
           <a:bodyPr/>
           <a:lstStyle/>
           <a:p>
-            <a:pPr lvl="0" marL="0" indent="0">
+            <a:pPr lvl="0" indent="0" marL="0">
               <a:buNone/>
             </a:pPr>
             <a:r>
@@ -6198,7 +6197,7 @@
           <a:bodyPr/>
           <a:lstStyle/>
           <a:p>
-            <a:pPr lvl="0" marL="0" indent="0">
+            <a:pPr lvl="0" indent="0" marL="0">
               <a:buNone/>
             </a:pPr>
             <a:r>
@@ -6259,7 +6258,7 @@
           <a:bodyPr/>
           <a:lstStyle/>
           <a:p>
-            <a:pPr lvl="0" marL="0" indent="0">
+            <a:pPr lvl="0" indent="0" marL="0">
               <a:buNone/>
             </a:pPr>
             <a:r>
@@ -6284,7 +6283,7 @@
           <a:bodyPr/>
           <a:lstStyle/>
           <a:p>
-            <a:pPr lvl="0" marL="0" indent="0">
+            <a:pPr lvl="0" indent="0" marL="0">
               <a:buNone/>
             </a:pPr>
             <a:r>
@@ -6345,7 +6344,7 @@
           <a:bodyPr/>
           <a:lstStyle/>
           <a:p>
-            <a:pPr lvl="0" marL="0" indent="0">
+            <a:pPr lvl="0" indent="0" marL="0">
               <a:buNone/>
             </a:pPr>
             <a:r>
@@ -6370,7 +6369,7 @@
           <a:bodyPr/>
           <a:lstStyle/>
           <a:p>
-            <a:pPr lvl="0" marL="0" indent="0">
+            <a:pPr lvl="0" indent="0" marL="0">
               <a:buNone/>
             </a:pPr>
             <a:r>
@@ -6431,7 +6430,7 @@
           <a:bodyPr/>
           <a:lstStyle/>
           <a:p>
-            <a:pPr lvl="0" marL="0" indent="0">
+            <a:pPr lvl="0" indent="0" marL="0">
               <a:buNone/>
             </a:pPr>
             <a:r>
@@ -6456,7 +6455,7 @@
           <a:bodyPr/>
           <a:lstStyle/>
           <a:p>
-            <a:pPr lvl="0" marL="0" indent="0">
+            <a:pPr lvl="0" indent="0" marL="0">
               <a:buNone/>
             </a:pPr>
             <a:r>
@@ -6481,7 +6480,7 @@
           <a:bodyPr/>
           <a:lstStyle/>
           <a:p>
-            <a:pPr lvl="0" marL="0" indent="0">
+            <a:pPr lvl="0" indent="0" marL="0">
               <a:buNone/>
             </a:pPr>
             <a:r>
@@ -6547,7 +6546,7 @@
           <a:bodyPr/>
           <a:lstStyle/>
           <a:p>
-            <a:pPr lvl="0" marL="0" indent="0">
+            <a:pPr lvl="0" indent="0" marL="0">
               <a:buNone/>
             </a:pPr>
             <a:r>
@@ -6572,7 +6571,7 @@
           <a:bodyPr/>
           <a:lstStyle/>
           <a:p>
-            <a:pPr lvl="0" marL="0" indent="0">
+            <a:pPr lvl="0" indent="0" marL="0">
               <a:buNone/>
             </a:pPr>
             <a:r>
@@ -6632,7 +6631,7 @@
           <a:bodyPr/>
           <a:lstStyle/>
           <a:p>
-            <a:pPr lvl="0" marL="0" indent="0" algn="ctr">
+            <a:pPr lvl="0" indent="0" marL="0" algn="ctr">
               <a:buNone/>
             </a:pPr>
             <a:r>
